--- a/figures/chapter-renf/SCS-collection.pptx
+++ b/figures/chapter-renf/SCS-collection.pptx
@@ -261,7 +261,7 @@
           <a:p>
             <a:fld id="{BBF147C0-A057-4A43-960B-D74572CC8C08}" type="datetimeFigureOut">
               <a:rPr lang="en-GB" smtClean="0"/>
-              <a:t>20/02/2019</a:t>
+              <a:t>25/03/2019</a:t>
             </a:fld>
             <a:endParaRPr lang="en-GB"/>
           </a:p>
@@ -461,7 +461,7 @@
           <a:p>
             <a:fld id="{BBF147C0-A057-4A43-960B-D74572CC8C08}" type="datetimeFigureOut">
               <a:rPr lang="en-GB" smtClean="0"/>
-              <a:t>20/02/2019</a:t>
+              <a:t>25/03/2019</a:t>
             </a:fld>
             <a:endParaRPr lang="en-GB"/>
           </a:p>
@@ -671,7 +671,7 @@
           <a:p>
             <a:fld id="{BBF147C0-A057-4A43-960B-D74572CC8C08}" type="datetimeFigureOut">
               <a:rPr lang="en-GB" smtClean="0"/>
-              <a:t>20/02/2019</a:t>
+              <a:t>25/03/2019</a:t>
             </a:fld>
             <a:endParaRPr lang="en-GB"/>
           </a:p>
@@ -871,7 +871,7 @@
           <a:p>
             <a:fld id="{BBF147C0-A057-4A43-960B-D74572CC8C08}" type="datetimeFigureOut">
               <a:rPr lang="en-GB" smtClean="0"/>
-              <a:t>20/02/2019</a:t>
+              <a:t>25/03/2019</a:t>
             </a:fld>
             <a:endParaRPr lang="en-GB"/>
           </a:p>
@@ -1147,7 +1147,7 @@
           <a:p>
             <a:fld id="{BBF147C0-A057-4A43-960B-D74572CC8C08}" type="datetimeFigureOut">
               <a:rPr lang="en-GB" smtClean="0"/>
-              <a:t>20/02/2019</a:t>
+              <a:t>25/03/2019</a:t>
             </a:fld>
             <a:endParaRPr lang="en-GB"/>
           </a:p>
@@ -1415,7 +1415,7 @@
           <a:p>
             <a:fld id="{BBF147C0-A057-4A43-960B-D74572CC8C08}" type="datetimeFigureOut">
               <a:rPr lang="en-GB" smtClean="0"/>
-              <a:t>20/02/2019</a:t>
+              <a:t>25/03/2019</a:t>
             </a:fld>
             <a:endParaRPr lang="en-GB"/>
           </a:p>
@@ -1830,7 +1830,7 @@
           <a:p>
             <a:fld id="{BBF147C0-A057-4A43-960B-D74572CC8C08}" type="datetimeFigureOut">
               <a:rPr lang="en-GB" smtClean="0"/>
-              <a:t>20/02/2019</a:t>
+              <a:t>25/03/2019</a:t>
             </a:fld>
             <a:endParaRPr lang="en-GB"/>
           </a:p>
@@ -1972,7 +1972,7 @@
           <a:p>
             <a:fld id="{BBF147C0-A057-4A43-960B-D74572CC8C08}" type="datetimeFigureOut">
               <a:rPr lang="en-GB" smtClean="0"/>
-              <a:t>20/02/2019</a:t>
+              <a:t>25/03/2019</a:t>
             </a:fld>
             <a:endParaRPr lang="en-GB"/>
           </a:p>
@@ -2085,7 +2085,7 @@
           <a:p>
             <a:fld id="{BBF147C0-A057-4A43-960B-D74572CC8C08}" type="datetimeFigureOut">
               <a:rPr lang="en-GB" smtClean="0"/>
-              <a:t>20/02/2019</a:t>
+              <a:t>25/03/2019</a:t>
             </a:fld>
             <a:endParaRPr lang="en-GB"/>
           </a:p>
@@ -2398,7 +2398,7 @@
           <a:p>
             <a:fld id="{BBF147C0-A057-4A43-960B-D74572CC8C08}" type="datetimeFigureOut">
               <a:rPr lang="en-GB" smtClean="0"/>
-              <a:t>20/02/2019</a:t>
+              <a:t>25/03/2019</a:t>
             </a:fld>
             <a:endParaRPr lang="en-GB"/>
           </a:p>
@@ -2687,7 +2687,7 @@
           <a:p>
             <a:fld id="{BBF147C0-A057-4A43-960B-D74572CC8C08}" type="datetimeFigureOut">
               <a:rPr lang="en-GB" smtClean="0"/>
-              <a:t>20/02/2019</a:t>
+              <a:t>25/03/2019</a:t>
             </a:fld>
             <a:endParaRPr lang="en-GB"/>
           </a:p>
@@ -2930,7 +2930,7 @@
           <a:p>
             <a:fld id="{BBF147C0-A057-4A43-960B-D74572CC8C08}" type="datetimeFigureOut">
               <a:rPr lang="en-GB" smtClean="0"/>
-              <a:t>20/02/2019</a:t>
+              <a:t>25/03/2019</a:t>
             </a:fld>
             <a:endParaRPr lang="en-GB"/>
           </a:p>
@@ -3361,12 +3361,18 @@
         </p:nvSpPr>
         <p:spPr>
           <a:xfrm>
-            <a:off x="1374238" y="2339039"/>
-            <a:ext cx="9421403" cy="829638"/>
+            <a:off x="1374238" y="2339040"/>
+            <a:ext cx="9421403" cy="482186"/>
           </a:xfrm>
           <a:prstGeom prst="rect">
             <a:avLst/>
           </a:prstGeom>
+          <a:solidFill>
+            <a:schemeClr val="accent1">
+              <a:lumMod val="20000"/>
+              <a:lumOff val="80000"/>
+            </a:schemeClr>
+          </a:solidFill>
         </p:spPr>
         <p:style>
           <a:lnRef idx="2">
@@ -3559,7 +3565,7 @@
         </p:nvSpPr>
         <p:spPr>
           <a:xfrm>
-            <a:off x="5190448" y="2569192"/>
+            <a:off x="5181118" y="2395467"/>
             <a:ext cx="1515437" cy="369332"/>
           </a:xfrm>
           <a:prstGeom prst="rect">
@@ -3594,29 +3600,26 @@
         </p:nvCxnSpPr>
         <p:spPr>
           <a:xfrm>
-            <a:off x="1363894" y="4196779"/>
+            <a:off x="1374238" y="3636942"/>
             <a:ext cx="9464211" cy="0"/>
           </a:xfrm>
           <a:prstGeom prst="straightConnector1">
             <a:avLst/>
           </a:prstGeom>
-          <a:ln w="12700">
-            <a:solidFill>
-              <a:srgbClr val="FF0000"/>
-            </a:solidFill>
+          <a:ln>
             <a:headEnd type="triangle"/>
             <a:tailEnd type="triangle"/>
           </a:ln>
         </p:spPr>
         <p:style>
-          <a:lnRef idx="1">
-            <a:schemeClr val="accent1"/>
+          <a:lnRef idx="3">
+            <a:schemeClr val="accent6"/>
           </a:lnRef>
           <a:fillRef idx="0">
-            <a:schemeClr val="accent1"/>
+            <a:schemeClr val="accent6"/>
           </a:fillRef>
-          <a:effectRef idx="0">
-            <a:schemeClr val="accent1"/>
+          <a:effectRef idx="2">
+            <a:schemeClr val="accent6"/>
           </a:effectRef>
           <a:fontRef idx="minor">
             <a:schemeClr val="tx1"/>
@@ -3637,29 +3640,31 @@
         </p:nvCxnSpPr>
         <p:spPr>
           <a:xfrm>
-            <a:off x="10331949" y="3348162"/>
+            <a:off x="10331949" y="2911524"/>
             <a:ext cx="395555" cy="0"/>
           </a:xfrm>
           <a:prstGeom prst="straightConnector1">
             <a:avLst/>
           </a:prstGeom>
-          <a:ln w="15875">
+          <a:ln w="9525" cap="flat" cmpd="sng" algn="ctr">
             <a:solidFill>
-              <a:srgbClr val="FF0000"/>
+              <a:schemeClr val="accent2"/>
             </a:solidFill>
-            <a:headEnd type="triangle"/>
-            <a:tailEnd type="triangle"/>
+            <a:prstDash val="solid"/>
+            <a:round/>
+            <a:headEnd type="arrow" w="med" len="med"/>
+            <a:tailEnd type="arrow" w="med" len="med"/>
           </a:ln>
         </p:spPr>
         <p:style>
-          <a:lnRef idx="1">
-            <a:schemeClr val="accent1"/>
+          <a:lnRef idx="0">
+            <a:scrgbClr r="0" g="0" b="0"/>
           </a:lnRef>
           <a:fillRef idx="0">
-            <a:schemeClr val="accent1"/>
+            <a:scrgbClr r="0" g="0" b="0"/>
           </a:fillRef>
           <a:effectRef idx="0">
-            <a:schemeClr val="accent1"/>
+            <a:scrgbClr r="0" g="0" b="0"/>
           </a:effectRef>
           <a:fontRef idx="minor">
             <a:schemeClr val="tx1"/>
@@ -3680,28 +3685,25 @@
         </p:nvCxnSpPr>
         <p:spPr>
           <a:xfrm>
-            <a:off x="7804149" y="5361112"/>
+            <a:off x="7804149" y="4875920"/>
             <a:ext cx="2991492" cy="0"/>
           </a:xfrm>
           <a:prstGeom prst="straightConnector1">
             <a:avLst/>
           </a:prstGeom>
-          <a:ln w="12700">
-            <a:solidFill>
-              <a:srgbClr val="FF0000"/>
-            </a:solidFill>
+          <a:ln>
             <a:headEnd type="triangle"/>
             <a:tailEnd type="triangle"/>
           </a:ln>
         </p:spPr>
         <p:style>
-          <a:lnRef idx="1">
+          <a:lnRef idx="3">
             <a:schemeClr val="accent1"/>
           </a:lnRef>
           <a:fillRef idx="0">
             <a:schemeClr val="accent1"/>
           </a:fillRef>
-          <a:effectRef idx="0">
+          <a:effectRef idx="2">
             <a:schemeClr val="accent1"/>
           </a:effectRef>
           <a:fontRef idx="minor">
@@ -3797,7 +3799,7 @@
         </p:nvSpPr>
         <p:spPr>
           <a:xfrm>
-            <a:off x="7359935" y="3220790"/>
+            <a:off x="7359934" y="2764799"/>
             <a:ext cx="3050130" cy="584775"/>
           </a:xfrm>
           <a:prstGeom prst="rect">
@@ -3812,13 +3814,21 @@
           <a:lstStyle/>
           <a:p>
             <a:r>
-              <a:rPr lang="en-GB" sz="1600" dirty="0"/>
+              <a:rPr lang="en-GB" sz="1600" dirty="0">
+                <a:solidFill>
+                  <a:schemeClr val="accent2"/>
+                </a:solidFill>
+              </a:rPr>
               <a:t>Current census week collection of </a:t>
             </a:r>
           </a:p>
           <a:p>
             <a:r>
-              <a:rPr lang="en-GB" sz="1600" dirty="0"/>
+              <a:rPr lang="en-GB" sz="1600" dirty="0">
+                <a:solidFill>
+                  <a:schemeClr val="accent2"/>
+                </a:solidFill>
+              </a:rPr>
               <a:t>Home Care data</a:t>
             </a:r>
           </a:p>
@@ -3838,7 +3848,7 @@
         </p:nvSpPr>
         <p:spPr>
           <a:xfrm>
-            <a:off x="7359934" y="4238682"/>
+            <a:off x="7359934" y="3670941"/>
             <a:ext cx="3547510" cy="830997"/>
           </a:xfrm>
           <a:prstGeom prst="rect">
@@ -3853,19 +3863,31 @@
           <a:lstStyle/>
           <a:p>
             <a:r>
-              <a:rPr lang="en-GB" sz="1600" dirty="0"/>
+              <a:rPr lang="en-GB" sz="1600" dirty="0">
+                <a:solidFill>
+                  <a:schemeClr val="accent6"/>
+                </a:solidFill>
+              </a:rPr>
               <a:t>Current collection of Community alarm,</a:t>
             </a:r>
           </a:p>
           <a:p>
             <a:r>
-              <a:rPr lang="en-GB" sz="1600" dirty="0"/>
+              <a:rPr lang="en-GB" sz="1600" dirty="0">
+                <a:solidFill>
+                  <a:schemeClr val="accent6"/>
+                </a:solidFill>
+              </a:rPr>
               <a:t>Telecare, Self-directed Support, Social or</a:t>
             </a:r>
           </a:p>
           <a:p>
             <a:r>
-              <a:rPr lang="en-GB" sz="1600" dirty="0"/>
+              <a:rPr lang="en-GB" sz="1600" dirty="0">
+                <a:solidFill>
+                  <a:schemeClr val="accent6"/>
+                </a:solidFill>
+              </a:rPr>
               <a:t>Support worker data</a:t>
             </a:r>
           </a:p>
@@ -3885,7 +3907,7 @@
         </p:nvSpPr>
         <p:spPr>
           <a:xfrm flipH="1">
-            <a:off x="7359934" y="5483761"/>
+            <a:off x="7381340" y="4902785"/>
             <a:ext cx="3457109" cy="584775"/>
           </a:xfrm>
           <a:prstGeom prst="rect">
@@ -3900,8 +3922,12 @@
           <a:lstStyle/>
           <a:p>
             <a:r>
-              <a:rPr lang="en-GB" sz="1600" dirty="0"/>
-              <a:t>Proposed quarterly collection of Home Care data</a:t>
+              <a:rPr lang="en-GB" sz="1600" dirty="0">
+                <a:solidFill>
+                  <a:schemeClr val="accent1"/>
+                </a:solidFill>
+              </a:rPr>
+              <a:t>Proposed one quarter collection of Home Care data</a:t>
             </a:r>
           </a:p>
         </p:txBody>

--- a/figures/chapter-renf/SCS-collection.pptx
+++ b/figures/chapter-renf/SCS-collection.pptx
@@ -261,7 +261,7 @@
           <a:p>
             <a:fld id="{BBF147C0-A057-4A43-960B-D74572CC8C08}" type="datetimeFigureOut">
               <a:rPr lang="en-GB" smtClean="0"/>
-              <a:t>25/03/2019</a:t>
+              <a:t>09/07/2019</a:t>
             </a:fld>
             <a:endParaRPr lang="en-GB"/>
           </a:p>
@@ -461,7 +461,7 @@
           <a:p>
             <a:fld id="{BBF147C0-A057-4A43-960B-D74572CC8C08}" type="datetimeFigureOut">
               <a:rPr lang="en-GB" smtClean="0"/>
-              <a:t>25/03/2019</a:t>
+              <a:t>09/07/2019</a:t>
             </a:fld>
             <a:endParaRPr lang="en-GB"/>
           </a:p>
@@ -671,7 +671,7 @@
           <a:p>
             <a:fld id="{BBF147C0-A057-4A43-960B-D74572CC8C08}" type="datetimeFigureOut">
               <a:rPr lang="en-GB" smtClean="0"/>
-              <a:t>25/03/2019</a:t>
+              <a:t>09/07/2019</a:t>
             </a:fld>
             <a:endParaRPr lang="en-GB"/>
           </a:p>
@@ -871,7 +871,7 @@
           <a:p>
             <a:fld id="{BBF147C0-A057-4A43-960B-D74572CC8C08}" type="datetimeFigureOut">
               <a:rPr lang="en-GB" smtClean="0"/>
-              <a:t>25/03/2019</a:t>
+              <a:t>09/07/2019</a:t>
             </a:fld>
             <a:endParaRPr lang="en-GB"/>
           </a:p>
@@ -1147,7 +1147,7 @@
           <a:p>
             <a:fld id="{BBF147C0-A057-4A43-960B-D74572CC8C08}" type="datetimeFigureOut">
               <a:rPr lang="en-GB" smtClean="0"/>
-              <a:t>25/03/2019</a:t>
+              <a:t>09/07/2019</a:t>
             </a:fld>
             <a:endParaRPr lang="en-GB"/>
           </a:p>
@@ -1415,7 +1415,7 @@
           <a:p>
             <a:fld id="{BBF147C0-A057-4A43-960B-D74572CC8C08}" type="datetimeFigureOut">
               <a:rPr lang="en-GB" smtClean="0"/>
-              <a:t>25/03/2019</a:t>
+              <a:t>09/07/2019</a:t>
             </a:fld>
             <a:endParaRPr lang="en-GB"/>
           </a:p>
@@ -1830,7 +1830,7 @@
           <a:p>
             <a:fld id="{BBF147C0-A057-4A43-960B-D74572CC8C08}" type="datetimeFigureOut">
               <a:rPr lang="en-GB" smtClean="0"/>
-              <a:t>25/03/2019</a:t>
+              <a:t>09/07/2019</a:t>
             </a:fld>
             <a:endParaRPr lang="en-GB"/>
           </a:p>
@@ -1972,7 +1972,7 @@
           <a:p>
             <a:fld id="{BBF147C0-A057-4A43-960B-D74572CC8C08}" type="datetimeFigureOut">
               <a:rPr lang="en-GB" smtClean="0"/>
-              <a:t>25/03/2019</a:t>
+              <a:t>09/07/2019</a:t>
             </a:fld>
             <a:endParaRPr lang="en-GB"/>
           </a:p>
@@ -2085,7 +2085,7 @@
           <a:p>
             <a:fld id="{BBF147C0-A057-4A43-960B-D74572CC8C08}" type="datetimeFigureOut">
               <a:rPr lang="en-GB" smtClean="0"/>
-              <a:t>25/03/2019</a:t>
+              <a:t>09/07/2019</a:t>
             </a:fld>
             <a:endParaRPr lang="en-GB"/>
           </a:p>
@@ -2398,7 +2398,7 @@
           <a:p>
             <a:fld id="{BBF147C0-A057-4A43-960B-D74572CC8C08}" type="datetimeFigureOut">
               <a:rPr lang="en-GB" smtClean="0"/>
-              <a:t>25/03/2019</a:t>
+              <a:t>09/07/2019</a:t>
             </a:fld>
             <a:endParaRPr lang="en-GB"/>
           </a:p>
@@ -2687,7 +2687,7 @@
           <a:p>
             <a:fld id="{BBF147C0-A057-4A43-960B-D74572CC8C08}" type="datetimeFigureOut">
               <a:rPr lang="en-GB" smtClean="0"/>
-              <a:t>25/03/2019</a:t>
+              <a:t>09/07/2019</a:t>
             </a:fld>
             <a:endParaRPr lang="en-GB"/>
           </a:p>
@@ -2930,7 +2930,7 @@
           <a:p>
             <a:fld id="{BBF147C0-A057-4A43-960B-D74572CC8C08}" type="datetimeFigureOut">
               <a:rPr lang="en-GB" smtClean="0"/>
-              <a:t>25/03/2019</a:t>
+              <a:t>09/07/2019</a:t>
             </a:fld>
             <a:endParaRPr lang="en-GB"/>
           </a:p>
@@ -3799,7 +3799,7 @@
         </p:nvSpPr>
         <p:spPr>
           <a:xfrm>
-            <a:off x="7359934" y="2764799"/>
+            <a:off x="7857314" y="2970572"/>
             <a:ext cx="3050130" cy="584775"/>
           </a:xfrm>
           <a:prstGeom prst="rect">
